--- a/Docs/DTU Presentation.pptx
+++ b/Docs/DTU Presentation.pptx
@@ -5,7 +5,7 @@
     <p:sldMasterId id="2147483648" r:id="rId1"/>
   </p:sldMasterIdLst>
   <p:notesMasterIdLst>
-    <p:notesMasterId r:id="rId7"/>
+    <p:notesMasterId r:id="rId8"/>
   </p:notesMasterIdLst>
   <p:sldIdLst>
     <p:sldId id="256" r:id="rId2"/>
@@ -13,6 +13,7 @@
     <p:sldId id="258" r:id="rId4"/>
     <p:sldId id="259" r:id="rId5"/>
     <p:sldId id="260" r:id="rId6"/>
+    <p:sldId id="261" r:id="rId7"/>
   </p:sldIdLst>
   <p:sldSz cx="12190413" cy="6858000"/>
   <p:notesSz cx="6858000" cy="9144000"/>
@@ -14646,10 +14647,158 @@
           </a:p>
         </p:txBody>
       </p:sp>
+      <p:pic>
+        <p:nvPicPr>
+          <p:cNvPr id="3" name="Billede 2" descr="Et billede, der indeholder tekst, diagram, Plan, skematisk&#10;&#10;Automatisk genereret beskrivelse">
+            <a:extLst>
+              <a:ext uri="{FF2B5EF4-FFF2-40B4-BE49-F238E27FC236}">
+                <a16:creationId xmlns:a16="http://schemas.microsoft.com/office/drawing/2014/main" id="{F1AFC883-2A36-4609-D4D1-5176504B82CB}"/>
+              </a:ext>
+            </a:extLst>
+          </p:cNvPr>
+          <p:cNvPicPr>
+            <a:picLocks noChangeAspect="1"/>
+          </p:cNvPicPr>
+          <p:nvPr/>
+        </p:nvPicPr>
+        <p:blipFill>
+          <a:blip r:embed="rId3"/>
+          <a:stretch>
+            <a:fillRect/>
+          </a:stretch>
+        </p:blipFill>
+        <p:spPr>
+          <a:xfrm>
+            <a:off x="1509306" y="1656796"/>
+            <a:ext cx="9843139" cy="4644807"/>
+          </a:xfrm>
+          <a:prstGeom prst="rect">
+            <a:avLst/>
+          </a:prstGeom>
+        </p:spPr>
+      </p:pic>
     </p:spTree>
     <p:extLst>
       <p:ext uri="{BB962C8B-B14F-4D97-AF65-F5344CB8AC3E}">
         <p14:creationId xmlns:p14="http://schemas.microsoft.com/office/powerpoint/2010/main" val="2588405006"/>
+      </p:ext>
+    </p:extLst>
+  </p:cSld>
+  <p:clrMapOvr>
+    <a:masterClrMapping/>
+  </p:clrMapOvr>
+</p:sld>
+</file>
+
+<file path=ppt/slides/slide6.xml><?xml version="1.0" encoding="utf-8"?>
+<p:sld xmlns:a="http://schemas.openxmlformats.org/drawingml/2006/main" xmlns:r="http://schemas.openxmlformats.org/officeDocument/2006/relationships" xmlns:p="http://schemas.openxmlformats.org/presentationml/2006/main">
+  <p:cSld>
+    <p:spTree>
+      <p:nvGrpSpPr>
+        <p:cNvPr id="1" name=""/>
+        <p:cNvGrpSpPr/>
+        <p:nvPr/>
+      </p:nvGrpSpPr>
+      <p:grpSpPr>
+        <a:xfrm>
+          <a:off x="0" y="0"/>
+          <a:ext cx="0" cy="0"/>
+          <a:chOff x="0" y="0"/>
+          <a:chExt cx="0" cy="0"/>
+        </a:xfrm>
+      </p:grpSpPr>
+      <p:sp>
+        <p:nvSpPr>
+          <p:cNvPr id="2" name="Titel 1">
+            <a:extLst>
+              <a:ext uri="{FF2B5EF4-FFF2-40B4-BE49-F238E27FC236}">
+                <a16:creationId xmlns:a16="http://schemas.microsoft.com/office/drawing/2014/main" id="{DE444A74-D2C9-7747-EFFE-C022B63AE6CD}"/>
+              </a:ext>
+            </a:extLst>
+          </p:cNvPr>
+          <p:cNvSpPr>
+            <a:spLocks noGrp="1"/>
+          </p:cNvSpPr>
+          <p:nvPr>
+            <p:ph type="title"/>
+          </p:nvPr>
+        </p:nvSpPr>
+        <p:spPr/>
+        <p:txBody>
+          <a:bodyPr/>
+          <a:lstStyle/>
+          <a:p>
+            <a:endParaRPr lang="da-DK"/>
+          </a:p>
+        </p:txBody>
+      </p:sp>
+      <p:sp>
+        <p:nvSpPr>
+          <p:cNvPr id="3" name="Pladsholder til tekst 2">
+            <a:extLst>
+              <a:ext uri="{FF2B5EF4-FFF2-40B4-BE49-F238E27FC236}">
+                <a16:creationId xmlns:a16="http://schemas.microsoft.com/office/drawing/2014/main" id="{1348060C-B9C7-FEE4-AD23-161B1BBCD06B}"/>
+              </a:ext>
+            </a:extLst>
+          </p:cNvPr>
+          <p:cNvSpPr>
+            <a:spLocks noGrp="1"/>
+          </p:cNvSpPr>
+          <p:nvPr>
+            <p:ph type="body" idx="1"/>
+          </p:nvPr>
+        </p:nvSpPr>
+        <p:spPr/>
+        <p:txBody>
+          <a:bodyPr/>
+          <a:lstStyle/>
+          <a:p>
+            <a:endParaRPr lang="da-DK"/>
+          </a:p>
+        </p:txBody>
+      </p:sp>
+      <p:sp>
+        <p:nvSpPr>
+          <p:cNvPr id="4" name="Pladsholder til slidenummer 3">
+            <a:extLst>
+              <a:ext uri="{FF2B5EF4-FFF2-40B4-BE49-F238E27FC236}">
+                <a16:creationId xmlns:a16="http://schemas.microsoft.com/office/drawing/2014/main" id="{859C48C8-3499-4575-EF0E-EC3D1F9E2FD2}"/>
+              </a:ext>
+            </a:extLst>
+          </p:cNvPr>
+          <p:cNvSpPr>
+            <a:spLocks noGrp="1"/>
+          </p:cNvSpPr>
+          <p:nvPr>
+            <p:ph type="sldNum" idx="12"/>
+          </p:nvPr>
+        </p:nvSpPr>
+        <p:spPr/>
+        <p:txBody>
+          <a:bodyPr/>
+          <a:lstStyle/>
+          <a:p>
+            <a:pPr marL="0" lvl="0" indent="0" algn="l" rtl="0">
+              <a:spcBef>
+                <a:spcPts val="0"/>
+              </a:spcBef>
+              <a:spcAft>
+                <a:spcPts val="0"/>
+              </a:spcAft>
+              <a:buNone/>
+            </a:pPr>
+            <a:fld id="{00000000-1234-1234-1234-123412341234}" type="slidenum">
+              <a:rPr lang="da-DK" smtClean="0"/>
+              <a:t>6</a:t>
+            </a:fld>
+            <a:endParaRPr lang="da-DK"/>
+          </a:p>
+        </p:txBody>
+      </p:sp>
+    </p:spTree>
+    <p:extLst>
+      <p:ext uri="{BB962C8B-B14F-4D97-AF65-F5344CB8AC3E}">
+        <p14:creationId xmlns:p14="http://schemas.microsoft.com/office/powerpoint/2010/main" val="3282201326"/>
       </p:ext>
     </p:extLst>
   </p:cSld>
